--- a/Adding Conditional Control to Text-to-Image Diffusion Models/Adding Conditional Control to Text-to-Image Diffusion Models.pptx
+++ b/Adding Conditional Control to Text-to-Image Diffusion Models/Adding Conditional Control to Text-to-Image Diffusion Models.pptx
@@ -5,7 +5,7 @@
     <p:sldMasterId id="2147483648" r:id="rId1"/>
   </p:sldMasterIdLst>
   <p:notesMasterIdLst>
-    <p:notesMasterId r:id="rId10"/>
+    <p:notesMasterId r:id="rId13"/>
   </p:notesMasterIdLst>
   <p:sldIdLst>
     <p:sldId id="256" r:id="rId2"/>
@@ -15,7 +15,10 @@
     <p:sldId id="274" r:id="rId6"/>
     <p:sldId id="273" r:id="rId7"/>
     <p:sldId id="276" r:id="rId8"/>
-    <p:sldId id="270" r:id="rId9"/>
+    <p:sldId id="279" r:id="rId9"/>
+    <p:sldId id="277" r:id="rId10"/>
+    <p:sldId id="278" r:id="rId11"/>
+    <p:sldId id="270" r:id="rId12"/>
   </p:sldIdLst>
   <p:sldSz cx="12192000" cy="6858000"/>
   <p:notesSz cx="6858000" cy="9144000"/>
@@ -216,7 +219,7 @@
           <a:p>
             <a:fld id="{4890B703-0836-499D-9F8D-D18F794AD7C3}" type="datetimeFigureOut">
               <a:rPr lang="ko-KR" altLang="en-US" smtClean="0"/>
-              <a:t>2023-09-25</a:t>
+              <a:t>2023-09-27</a:t>
             </a:fld>
             <a:endParaRPr lang="ko-KR" altLang="en-US"/>
           </a:p>
@@ -714,7 +717,7 @@
           <a:p>
             <a:fld id="{C98425AB-0F5E-4B1B-A3F7-CE19EA6D8895}" type="datetimeFigureOut">
               <a:rPr lang="ko-KR" altLang="en-US" smtClean="0"/>
-              <a:t>2023-09-25</a:t>
+              <a:t>2023-09-27</a:t>
             </a:fld>
             <a:endParaRPr lang="ko-KR" altLang="en-US"/>
           </a:p>
@@ -912,7 +915,7 @@
           <a:p>
             <a:fld id="{C98425AB-0F5E-4B1B-A3F7-CE19EA6D8895}" type="datetimeFigureOut">
               <a:rPr lang="ko-KR" altLang="en-US" smtClean="0"/>
-              <a:t>2023-09-25</a:t>
+              <a:t>2023-09-27</a:t>
             </a:fld>
             <a:endParaRPr lang="ko-KR" altLang="en-US"/>
           </a:p>
@@ -1120,7 +1123,7 @@
           <a:p>
             <a:fld id="{C98425AB-0F5E-4B1B-A3F7-CE19EA6D8895}" type="datetimeFigureOut">
               <a:rPr lang="ko-KR" altLang="en-US" smtClean="0"/>
-              <a:t>2023-09-25</a:t>
+              <a:t>2023-09-27</a:t>
             </a:fld>
             <a:endParaRPr lang="ko-KR" altLang="en-US"/>
           </a:p>
@@ -1318,7 +1321,7 @@
           <a:p>
             <a:fld id="{C98425AB-0F5E-4B1B-A3F7-CE19EA6D8895}" type="datetimeFigureOut">
               <a:rPr lang="ko-KR" altLang="en-US" smtClean="0"/>
-              <a:t>2023-09-25</a:t>
+              <a:t>2023-09-27</a:t>
             </a:fld>
             <a:endParaRPr lang="ko-KR" altLang="en-US"/>
           </a:p>
@@ -1593,7 +1596,7 @@
           <a:p>
             <a:fld id="{C98425AB-0F5E-4B1B-A3F7-CE19EA6D8895}" type="datetimeFigureOut">
               <a:rPr lang="ko-KR" altLang="en-US" smtClean="0"/>
-              <a:t>2023-09-25</a:t>
+              <a:t>2023-09-27</a:t>
             </a:fld>
             <a:endParaRPr lang="ko-KR" altLang="en-US"/>
           </a:p>
@@ -1858,7 +1861,7 @@
           <a:p>
             <a:fld id="{C98425AB-0F5E-4B1B-A3F7-CE19EA6D8895}" type="datetimeFigureOut">
               <a:rPr lang="ko-KR" altLang="en-US" smtClean="0"/>
-              <a:t>2023-09-25</a:t>
+              <a:t>2023-09-27</a:t>
             </a:fld>
             <a:endParaRPr lang="ko-KR" altLang="en-US"/>
           </a:p>
@@ -2270,7 +2273,7 @@
           <a:p>
             <a:fld id="{C98425AB-0F5E-4B1B-A3F7-CE19EA6D8895}" type="datetimeFigureOut">
               <a:rPr lang="ko-KR" altLang="en-US" smtClean="0"/>
-              <a:t>2023-09-25</a:t>
+              <a:t>2023-09-27</a:t>
             </a:fld>
             <a:endParaRPr lang="ko-KR" altLang="en-US"/>
           </a:p>
@@ -2411,7 +2414,7 @@
           <a:p>
             <a:fld id="{C98425AB-0F5E-4B1B-A3F7-CE19EA6D8895}" type="datetimeFigureOut">
               <a:rPr lang="ko-KR" altLang="en-US" smtClean="0"/>
-              <a:t>2023-09-25</a:t>
+              <a:t>2023-09-27</a:t>
             </a:fld>
             <a:endParaRPr lang="ko-KR" altLang="en-US"/>
           </a:p>
@@ -2524,7 +2527,7 @@
           <a:p>
             <a:fld id="{C98425AB-0F5E-4B1B-A3F7-CE19EA6D8895}" type="datetimeFigureOut">
               <a:rPr lang="ko-KR" altLang="en-US" smtClean="0"/>
-              <a:t>2023-09-25</a:t>
+              <a:t>2023-09-27</a:t>
             </a:fld>
             <a:endParaRPr lang="ko-KR" altLang="en-US"/>
           </a:p>
@@ -2835,7 +2838,7 @@
           <a:p>
             <a:fld id="{C98425AB-0F5E-4B1B-A3F7-CE19EA6D8895}" type="datetimeFigureOut">
               <a:rPr lang="ko-KR" altLang="en-US" smtClean="0"/>
-              <a:t>2023-09-25</a:t>
+              <a:t>2023-09-27</a:t>
             </a:fld>
             <a:endParaRPr lang="ko-KR" altLang="en-US"/>
           </a:p>
@@ -3123,7 +3126,7 @@
           <a:p>
             <a:fld id="{C98425AB-0F5E-4B1B-A3F7-CE19EA6D8895}" type="datetimeFigureOut">
               <a:rPr lang="ko-KR" altLang="en-US" smtClean="0"/>
-              <a:t>2023-09-25</a:t>
+              <a:t>2023-09-27</a:t>
             </a:fld>
             <a:endParaRPr lang="ko-KR" altLang="en-US"/>
           </a:p>
@@ -3364,7 +3367,7 @@
           <a:p>
             <a:fld id="{C98425AB-0F5E-4B1B-A3F7-CE19EA6D8895}" type="datetimeFigureOut">
               <a:rPr lang="ko-KR" altLang="en-US" smtClean="0"/>
-              <a:t>2023-09-25</a:t>
+              <a:t>2023-09-27</a:t>
             </a:fld>
             <a:endParaRPr lang="ko-KR" altLang="en-US"/>
           </a:p>
@@ -3862,6 +3865,437 @@
 </p:sld>
 </file>
 
+<file path=ppt/slides/slide10.xml><?xml version="1.0" encoding="utf-8"?>
+<p:sld xmlns:a="http://schemas.openxmlformats.org/drawingml/2006/main" xmlns:r="http://schemas.openxmlformats.org/officeDocument/2006/relationships" xmlns:p="http://schemas.openxmlformats.org/presentationml/2006/main">
+  <p:cSld>
+    <p:spTree>
+      <p:nvGrpSpPr>
+        <p:cNvPr id="1" name=""/>
+        <p:cNvGrpSpPr/>
+        <p:nvPr/>
+      </p:nvGrpSpPr>
+      <p:grpSpPr>
+        <a:xfrm>
+          <a:off x="0" y="0"/>
+          <a:ext cx="0" cy="0"/>
+          <a:chOff x="0" y="0"/>
+          <a:chExt cx="0" cy="0"/>
+        </a:xfrm>
+      </p:grpSpPr>
+      <p:sp>
+        <p:nvSpPr>
+          <p:cNvPr id="2" name="제목 1">
+            <a:extLst>
+              <a:ext uri="{FF2B5EF4-FFF2-40B4-BE49-F238E27FC236}">
+                <a16:creationId xmlns:a16="http://schemas.microsoft.com/office/drawing/2014/main" id="{44FE026F-B914-4142-BADB-732B8F33197D}"/>
+              </a:ext>
+            </a:extLst>
+          </p:cNvPr>
+          <p:cNvSpPr>
+            <a:spLocks noGrp="1"/>
+          </p:cNvSpPr>
+          <p:nvPr>
+            <p:ph type="title"/>
+          </p:nvPr>
+        </p:nvSpPr>
+        <p:spPr/>
+        <p:txBody>
+          <a:bodyPr/>
+          <a:lstStyle/>
+          <a:p>
+            <a:r>
+              <a:rPr lang="en-US" altLang="ko-KR" dirty="0"/>
+              <a:t>3. </a:t>
+            </a:r>
+            <a:r>
+              <a:rPr lang="ko-KR" altLang="en-US" dirty="0"/>
+              <a:t>평가</a:t>
+            </a:r>
+          </a:p>
+        </p:txBody>
+      </p:sp>
+      <p:pic>
+        <p:nvPicPr>
+          <p:cNvPr id="5" name="그림 4">
+            <a:extLst>
+              <a:ext uri="{FF2B5EF4-FFF2-40B4-BE49-F238E27FC236}">
+                <a16:creationId xmlns:a16="http://schemas.microsoft.com/office/drawing/2014/main" id="{912E32DC-7C11-49C1-8E46-3ED04025E08E}"/>
+              </a:ext>
+            </a:extLst>
+          </p:cNvPr>
+          <p:cNvPicPr>
+            <a:picLocks noChangeAspect="1"/>
+          </p:cNvPicPr>
+          <p:nvPr/>
+        </p:nvPicPr>
+        <p:blipFill>
+          <a:blip r:embed="rId2"/>
+          <a:stretch>
+            <a:fillRect/>
+          </a:stretch>
+        </p:blipFill>
+        <p:spPr>
+          <a:xfrm>
+            <a:off x="6823343" y="0"/>
+            <a:ext cx="4277372" cy="6858000"/>
+          </a:xfrm>
+          <a:prstGeom prst="rect">
+            <a:avLst/>
+          </a:prstGeom>
+        </p:spPr>
+      </p:pic>
+      <p:sp>
+        <p:nvSpPr>
+          <p:cNvPr id="8" name="내용 개체 틀 3">
+            <a:extLst>
+              <a:ext uri="{FF2B5EF4-FFF2-40B4-BE49-F238E27FC236}">
+                <a16:creationId xmlns:a16="http://schemas.microsoft.com/office/drawing/2014/main" id="{2028B05F-B24C-4557-9BB4-13E65A917D26}"/>
+              </a:ext>
+            </a:extLst>
+          </p:cNvPr>
+          <p:cNvSpPr>
+            <a:spLocks noGrp="1"/>
+          </p:cNvSpPr>
+          <p:nvPr>
+            <p:ph idx="1"/>
+          </p:nvPr>
+        </p:nvSpPr>
+        <p:spPr>
+          <a:xfrm>
+            <a:off x="838201" y="1825625"/>
+            <a:ext cx="5057274" cy="4351338"/>
+          </a:xfrm>
+        </p:spPr>
+        <p:txBody>
+          <a:bodyPr>
+            <a:normAutofit/>
+          </a:bodyPr>
+          <a:lstStyle/>
+          <a:p>
+            <a:pPr marL="0" indent="0">
+              <a:buNone/>
+            </a:pPr>
+            <a:r>
+              <a:rPr lang="en-US" altLang="ko-KR" b="0" i="0" dirty="0">
+                <a:solidFill>
+                  <a:srgbClr val="000000"/>
+                </a:solidFill>
+                <a:effectLst/>
+                <a:latin typeface="avenir next"/>
+              </a:rPr>
+              <a:t>CLIP score</a:t>
+            </a:r>
+            <a:endParaRPr lang="en-US" altLang="ko-KR" dirty="0">
+              <a:solidFill>
+                <a:srgbClr val="000000"/>
+              </a:solidFill>
+              <a:latin typeface="avenir next"/>
+            </a:endParaRPr>
+          </a:p>
+          <a:p>
+            <a:r>
+              <a:rPr lang="en-US" altLang="ko-KR" b="0" i="0" dirty="0">
+                <a:solidFill>
+                  <a:srgbClr val="000000"/>
+                </a:solidFill>
+                <a:effectLst/>
+                <a:latin typeface="avenir next"/>
+              </a:rPr>
+              <a:t>CLIP </a:t>
+            </a:r>
+            <a:r>
+              <a:rPr lang="ko-KR" altLang="en-US" b="0" i="0" dirty="0">
+                <a:solidFill>
+                  <a:srgbClr val="000000"/>
+                </a:solidFill>
+                <a:effectLst/>
+                <a:latin typeface="avenir next"/>
+              </a:rPr>
+              <a:t>모델을 이용하여 </a:t>
+            </a:r>
+            <a:r>
+              <a:rPr lang="en-US" altLang="ko-KR" b="0" i="0" dirty="0">
+                <a:solidFill>
+                  <a:srgbClr val="000000"/>
+                </a:solidFill>
+                <a:effectLst/>
+                <a:latin typeface="avenir next"/>
+              </a:rPr>
+              <a:t>text, image</a:t>
+            </a:r>
+            <a:r>
+              <a:rPr lang="ko-KR" altLang="en-US" b="0" i="0" dirty="0">
+                <a:solidFill>
+                  <a:srgbClr val="000000"/>
+                </a:solidFill>
+                <a:effectLst/>
+                <a:latin typeface="avenir next"/>
+              </a:rPr>
+              <a:t>의 유사성을 비교</a:t>
+            </a:r>
+            <a:endParaRPr lang="en-US" altLang="ko-KR" b="0" i="0" dirty="0">
+              <a:solidFill>
+                <a:srgbClr val="000000"/>
+              </a:solidFill>
+              <a:effectLst/>
+              <a:latin typeface="avenir next"/>
+            </a:endParaRPr>
+          </a:p>
+          <a:p>
+            <a:r>
+              <a:rPr lang="en-US" altLang="ko-KR" b="0" i="0" dirty="0">
+                <a:solidFill>
+                  <a:srgbClr val="000000"/>
+                </a:solidFill>
+                <a:effectLst/>
+                <a:latin typeface="avenir next"/>
+              </a:rPr>
+              <a:t>Image</a:t>
+            </a:r>
+            <a:r>
+              <a:rPr lang="ko-KR" altLang="en-US" b="0" i="0" dirty="0">
+                <a:solidFill>
+                  <a:srgbClr val="000000"/>
+                </a:solidFill>
+                <a:effectLst/>
+                <a:latin typeface="avenir next"/>
+              </a:rPr>
+              <a:t>와 </a:t>
+            </a:r>
+            <a:r>
+              <a:rPr lang="en-US" altLang="ko-KR" b="0" i="0" dirty="0">
+                <a:solidFill>
+                  <a:srgbClr val="000000"/>
+                </a:solidFill>
+                <a:effectLst/>
+                <a:latin typeface="avenir next"/>
+              </a:rPr>
+              <a:t>text</a:t>
+            </a:r>
+            <a:r>
+              <a:rPr lang="ko-KR" altLang="en-US" b="0" i="0" dirty="0">
+                <a:solidFill>
+                  <a:srgbClr val="000000"/>
+                </a:solidFill>
+                <a:effectLst/>
+                <a:latin typeface="avenir next"/>
+              </a:rPr>
+              <a:t>를 동일한 크기로 </a:t>
+            </a:r>
+            <a:r>
+              <a:rPr lang="ko-KR" altLang="en-US" b="0" i="0" dirty="0" err="1">
+                <a:solidFill>
+                  <a:srgbClr val="000000"/>
+                </a:solidFill>
+                <a:effectLst/>
+                <a:latin typeface="avenir next"/>
+              </a:rPr>
+              <a:t>임베딩</a:t>
+            </a:r>
+            <a:r>
+              <a:rPr lang="ko-KR" altLang="en-US" dirty="0" err="1">
+                <a:solidFill>
+                  <a:srgbClr val="000000"/>
+                </a:solidFill>
+                <a:latin typeface="avenir next"/>
+              </a:rPr>
+              <a:t>해서</a:t>
+            </a:r>
+            <a:r>
+              <a:rPr lang="ko-KR" altLang="en-US" dirty="0">
+                <a:solidFill>
+                  <a:srgbClr val="000000"/>
+                </a:solidFill>
+                <a:latin typeface="avenir next"/>
+              </a:rPr>
+              <a:t> 코사인 유사도를 계산</a:t>
+            </a:r>
+            <a:endParaRPr lang="en-US" altLang="ko-KR" b="0" i="0" dirty="0">
+              <a:solidFill>
+                <a:srgbClr val="000000"/>
+              </a:solidFill>
+              <a:effectLst/>
+              <a:latin typeface="avenir next"/>
+            </a:endParaRPr>
+          </a:p>
+          <a:p>
+            <a:pPr marL="0" indent="0" algn="l">
+              <a:buNone/>
+            </a:pPr>
+            <a:r>
+              <a:rPr lang="en-US" altLang="ko-KR" b="0" i="0" dirty="0">
+                <a:solidFill>
+                  <a:srgbClr val="000000"/>
+                </a:solidFill>
+                <a:effectLst/>
+                <a:latin typeface="avenir next"/>
+              </a:rPr>
+              <a:t>+1</a:t>
+            </a:r>
+            <a:r>
+              <a:rPr lang="ko-KR" altLang="en-US" b="0" i="0" dirty="0">
+                <a:solidFill>
+                  <a:srgbClr val="000000"/>
+                </a:solidFill>
+                <a:effectLst/>
+                <a:latin typeface="avenir next"/>
+              </a:rPr>
+              <a:t>은 벡터가 동일</a:t>
+            </a:r>
+            <a:endParaRPr lang="en-US" altLang="ko-KR" b="0" i="0" dirty="0">
+              <a:solidFill>
+                <a:srgbClr val="000000"/>
+              </a:solidFill>
+              <a:effectLst/>
+              <a:latin typeface="avenir next"/>
+            </a:endParaRPr>
+          </a:p>
+          <a:p>
+            <a:pPr marL="0" indent="0" algn="l">
+              <a:buNone/>
+            </a:pPr>
+            <a:r>
+              <a:rPr lang="en-US" altLang="ko-KR" b="0" i="0" dirty="0">
+                <a:solidFill>
+                  <a:srgbClr val="000000"/>
+                </a:solidFill>
+                <a:effectLst/>
+                <a:latin typeface="avenir next"/>
+              </a:rPr>
+              <a:t>0</a:t>
+            </a:r>
+            <a:r>
+              <a:rPr lang="ko-KR" altLang="en-US" b="0" i="0" dirty="0">
+                <a:solidFill>
+                  <a:srgbClr val="000000"/>
+                </a:solidFill>
+                <a:effectLst/>
+                <a:latin typeface="avenir next"/>
+              </a:rPr>
+              <a:t>은 직교</a:t>
+            </a:r>
+            <a:endParaRPr lang="en-US" altLang="ko-KR" b="0" i="0" dirty="0">
+              <a:solidFill>
+                <a:srgbClr val="000000"/>
+              </a:solidFill>
+              <a:effectLst/>
+              <a:latin typeface="avenir next"/>
+            </a:endParaRPr>
+          </a:p>
+          <a:p>
+            <a:pPr marL="0" indent="0" algn="l">
+              <a:buNone/>
+            </a:pPr>
+            <a:r>
+              <a:rPr lang="en-US" altLang="ko-KR" dirty="0">
+                <a:solidFill>
+                  <a:srgbClr val="000000"/>
+                </a:solidFill>
+                <a:latin typeface="avenir next"/>
+              </a:rPr>
+              <a:t>-</a:t>
+            </a:r>
+            <a:r>
+              <a:rPr lang="en-US" altLang="ko-KR" b="0" i="0" dirty="0">
+                <a:solidFill>
+                  <a:srgbClr val="000000"/>
+                </a:solidFill>
+                <a:effectLst/>
+                <a:latin typeface="avenir next"/>
+              </a:rPr>
+              <a:t>1</a:t>
+            </a:r>
+            <a:r>
+              <a:rPr lang="ko-KR" altLang="en-US" b="0" i="0" dirty="0">
+                <a:solidFill>
+                  <a:srgbClr val="000000"/>
+                </a:solidFill>
+                <a:effectLst/>
+                <a:latin typeface="avenir next"/>
+              </a:rPr>
+              <a:t>은 반대</a:t>
+            </a:r>
+            <a:endParaRPr lang="en-US" altLang="ko-KR" dirty="0"/>
+          </a:p>
+        </p:txBody>
+      </p:sp>
+    </p:spTree>
+    <p:extLst>
+      <p:ext uri="{BB962C8B-B14F-4D97-AF65-F5344CB8AC3E}">
+        <p14:creationId xmlns:p14="http://schemas.microsoft.com/office/powerpoint/2010/main" val="1383758157"/>
+      </p:ext>
+    </p:extLst>
+  </p:cSld>
+  <p:clrMapOvr>
+    <a:masterClrMapping/>
+  </p:clrMapOvr>
+</p:sld>
+</file>
+
+<file path=ppt/slides/slide11.xml><?xml version="1.0" encoding="utf-8"?>
+<p:sld xmlns:a="http://schemas.openxmlformats.org/drawingml/2006/main" xmlns:r="http://schemas.openxmlformats.org/officeDocument/2006/relationships" xmlns:p="http://schemas.openxmlformats.org/presentationml/2006/main">
+  <p:cSld>
+    <p:spTree>
+      <p:nvGrpSpPr>
+        <p:cNvPr id="1" name=""/>
+        <p:cNvGrpSpPr/>
+        <p:nvPr/>
+      </p:nvGrpSpPr>
+      <p:grpSpPr>
+        <a:xfrm>
+          <a:off x="0" y="0"/>
+          <a:ext cx="0" cy="0"/>
+          <a:chOff x="0" y="0"/>
+          <a:chExt cx="0" cy="0"/>
+        </a:xfrm>
+      </p:grpSpPr>
+      <p:sp>
+        <p:nvSpPr>
+          <p:cNvPr id="4" name="제목 3">
+            <a:extLst>
+              <a:ext uri="{FF2B5EF4-FFF2-40B4-BE49-F238E27FC236}">
+                <a16:creationId xmlns:a16="http://schemas.microsoft.com/office/drawing/2014/main" id="{F313114F-054B-4C61-802F-B24C61596829}"/>
+              </a:ext>
+            </a:extLst>
+          </p:cNvPr>
+          <p:cNvSpPr>
+            <a:spLocks noGrp="1"/>
+          </p:cNvSpPr>
+          <p:nvPr>
+            <p:ph type="title"/>
+          </p:nvPr>
+        </p:nvSpPr>
+        <p:spPr>
+          <a:xfrm>
+            <a:off x="838200" y="2766218"/>
+            <a:ext cx="10515600" cy="1325563"/>
+          </a:xfrm>
+        </p:spPr>
+        <p:txBody>
+          <a:bodyPr/>
+          <a:lstStyle/>
+          <a:p>
+            <a:pPr algn="ctr"/>
+            <a:r>
+              <a:rPr lang="ko-KR" altLang="en-US" dirty="0"/>
+              <a:t>감사합니다</a:t>
+            </a:r>
+          </a:p>
+        </p:txBody>
+      </p:sp>
+    </p:spTree>
+    <p:extLst>
+      <p:ext uri="{BB962C8B-B14F-4D97-AF65-F5344CB8AC3E}">
+        <p14:creationId xmlns:p14="http://schemas.microsoft.com/office/powerpoint/2010/main" val="4027504823"/>
+      </p:ext>
+    </p:extLst>
+  </p:cSld>
+  <p:clrMapOvr>
+    <a:masterClrMapping/>
+  </p:clrMapOvr>
+</p:sld>
+</file>
+
 <file path=ppt/slides/slide2.xml><?xml version="1.0" encoding="utf-8"?>
 <p:sld xmlns:a="http://schemas.openxmlformats.org/drawingml/2006/main" xmlns:r="http://schemas.openxmlformats.org/officeDocument/2006/relationships" xmlns:p="http://schemas.openxmlformats.org/presentationml/2006/main">
   <p:cSld>
@@ -5258,10 +5692,10 @@
       </p:grpSpPr>
       <p:sp>
         <p:nvSpPr>
-          <p:cNvPr id="4" name="제목 3">
-            <a:extLst>
-              <a:ext uri="{FF2B5EF4-FFF2-40B4-BE49-F238E27FC236}">
-                <a16:creationId xmlns:a16="http://schemas.microsoft.com/office/drawing/2014/main" id="{F313114F-054B-4C61-802F-B24C61596829}"/>
+          <p:cNvPr id="2" name="제목 1">
+            <a:extLst>
+              <a:ext uri="{FF2B5EF4-FFF2-40B4-BE49-F238E27FC236}">
+                <a16:creationId xmlns:a16="http://schemas.microsoft.com/office/drawing/2014/main" id="{44FE026F-B914-4142-BADB-732B8F33197D}"/>
               </a:ext>
             </a:extLst>
           </p:cNvPr>
@@ -5272,28 +5706,259 @@
             <p:ph type="title"/>
           </p:nvPr>
         </p:nvSpPr>
+        <p:spPr/>
+        <p:txBody>
+          <a:bodyPr/>
+          <a:lstStyle/>
+          <a:p>
+            <a:r>
+              <a:rPr lang="en-US" altLang="ko-KR" dirty="0"/>
+              <a:t>3. </a:t>
+            </a:r>
+            <a:r>
+              <a:rPr lang="ko-KR" altLang="en-US" dirty="0"/>
+              <a:t>평가</a:t>
+            </a:r>
+          </a:p>
+        </p:txBody>
+      </p:sp>
+      <p:pic>
+        <p:nvPicPr>
+          <p:cNvPr id="8" name="그림 7">
+            <a:extLst>
+              <a:ext uri="{FF2B5EF4-FFF2-40B4-BE49-F238E27FC236}">
+                <a16:creationId xmlns:a16="http://schemas.microsoft.com/office/drawing/2014/main" id="{647240A3-DF40-447A-A093-69D3AC3A40DF}"/>
+              </a:ext>
+            </a:extLst>
+          </p:cNvPr>
+          <p:cNvPicPr>
+            <a:picLocks noChangeAspect="1"/>
+          </p:cNvPicPr>
+          <p:nvPr/>
+        </p:nvPicPr>
+        <p:blipFill>
+          <a:blip r:embed="rId2"/>
+          <a:stretch>
+            <a:fillRect/>
+          </a:stretch>
+        </p:blipFill>
         <p:spPr>
           <a:xfrm>
-            <a:off x="838200" y="2766218"/>
-            <a:ext cx="10515600" cy="1325563"/>
+            <a:off x="1304256" y="1758289"/>
+            <a:ext cx="9583487" cy="4734586"/>
           </a:xfrm>
+          <a:prstGeom prst="rect">
+            <a:avLst/>
+          </a:prstGeom>
         </p:spPr>
-        <p:txBody>
-          <a:bodyPr/>
-          <a:lstStyle/>
-          <a:p>
-            <a:pPr algn="ctr"/>
-            <a:r>
-              <a:rPr lang="ko-KR" altLang="en-US" dirty="0"/>
-              <a:t>감사합니다</a:t>
-            </a:r>
-          </a:p>
-        </p:txBody>
-      </p:sp>
+      </p:pic>
     </p:spTree>
     <p:extLst>
       <p:ext uri="{BB962C8B-B14F-4D97-AF65-F5344CB8AC3E}">
-        <p14:creationId xmlns:p14="http://schemas.microsoft.com/office/powerpoint/2010/main" val="4027504823"/>
+        <p14:creationId xmlns:p14="http://schemas.microsoft.com/office/powerpoint/2010/main" val="2697626394"/>
+      </p:ext>
+    </p:extLst>
+  </p:cSld>
+  <p:clrMapOvr>
+    <a:masterClrMapping/>
+  </p:clrMapOvr>
+</p:sld>
+</file>
+
+<file path=ppt/slides/slide9.xml><?xml version="1.0" encoding="utf-8"?>
+<p:sld xmlns:a="http://schemas.openxmlformats.org/drawingml/2006/main" xmlns:r="http://schemas.openxmlformats.org/officeDocument/2006/relationships" xmlns:p="http://schemas.openxmlformats.org/presentationml/2006/main">
+  <p:cSld>
+    <p:spTree>
+      <p:nvGrpSpPr>
+        <p:cNvPr id="1" name=""/>
+        <p:cNvGrpSpPr/>
+        <p:nvPr/>
+      </p:nvGrpSpPr>
+      <p:grpSpPr>
+        <a:xfrm>
+          <a:off x="0" y="0"/>
+          <a:ext cx="0" cy="0"/>
+          <a:chOff x="0" y="0"/>
+          <a:chExt cx="0" cy="0"/>
+        </a:xfrm>
+      </p:grpSpPr>
+      <p:sp>
+        <p:nvSpPr>
+          <p:cNvPr id="2" name="제목 1">
+            <a:extLst>
+              <a:ext uri="{FF2B5EF4-FFF2-40B4-BE49-F238E27FC236}">
+                <a16:creationId xmlns:a16="http://schemas.microsoft.com/office/drawing/2014/main" id="{44FE026F-B914-4142-BADB-732B8F33197D}"/>
+              </a:ext>
+            </a:extLst>
+          </p:cNvPr>
+          <p:cNvSpPr>
+            <a:spLocks noGrp="1"/>
+          </p:cNvSpPr>
+          <p:nvPr>
+            <p:ph type="title"/>
+          </p:nvPr>
+        </p:nvSpPr>
+        <p:spPr/>
+        <p:txBody>
+          <a:bodyPr/>
+          <a:lstStyle/>
+          <a:p>
+            <a:r>
+              <a:rPr lang="en-US" altLang="ko-KR" dirty="0"/>
+              <a:t>3. </a:t>
+            </a:r>
+            <a:r>
+              <a:rPr lang="ko-KR" altLang="en-US" dirty="0"/>
+              <a:t>평가</a:t>
+            </a:r>
+          </a:p>
+        </p:txBody>
+      </p:sp>
+      <p:sp>
+        <p:nvSpPr>
+          <p:cNvPr id="4" name="내용 개체 틀 3">
+            <a:extLst>
+              <a:ext uri="{FF2B5EF4-FFF2-40B4-BE49-F238E27FC236}">
+                <a16:creationId xmlns:a16="http://schemas.microsoft.com/office/drawing/2014/main" id="{59BB6163-B367-4AA2-85D9-70176937C0F3}"/>
+              </a:ext>
+            </a:extLst>
+          </p:cNvPr>
+          <p:cNvSpPr>
+            <a:spLocks noGrp="1"/>
+          </p:cNvSpPr>
+          <p:nvPr>
+            <p:ph idx="1"/>
+          </p:nvPr>
+        </p:nvSpPr>
+        <p:spPr>
+          <a:xfrm>
+            <a:off x="838200" y="4317206"/>
+            <a:ext cx="10515599" cy="4351338"/>
+          </a:xfrm>
+        </p:spPr>
+        <p:txBody>
+          <a:bodyPr/>
+          <a:lstStyle/>
+          <a:p>
+            <a:pPr marL="0" indent="0">
+              <a:buNone/>
+            </a:pPr>
+            <a:r>
+              <a:rPr lang="ko-KR" altLang="en-US" b="0" i="0" dirty="0">
+                <a:solidFill>
+                  <a:srgbClr val="000000"/>
+                </a:solidFill>
+                <a:effectLst/>
+                <a:latin typeface="avenir next"/>
+              </a:rPr>
+              <a:t>기존 </a:t>
+            </a:r>
+            <a:r>
+              <a:rPr lang="ko-KR" altLang="en-US" b="0" i="0" dirty="0" err="1">
+                <a:solidFill>
+                  <a:srgbClr val="000000"/>
+                </a:solidFill>
+                <a:effectLst/>
+                <a:latin typeface="avenir next"/>
+              </a:rPr>
+              <a:t>모델들과의</a:t>
+            </a:r>
+            <a:r>
+              <a:rPr lang="ko-KR" altLang="en-US" b="0" i="0" dirty="0">
+                <a:solidFill>
+                  <a:srgbClr val="000000"/>
+                </a:solidFill>
+                <a:effectLst/>
+                <a:latin typeface="avenir next"/>
+              </a:rPr>
+              <a:t> </a:t>
+            </a:r>
+            <a:r>
+              <a:rPr lang="en-US" altLang="ko-KR" b="0" i="0" dirty="0">
+                <a:solidFill>
+                  <a:srgbClr val="000000"/>
+                </a:solidFill>
+                <a:effectLst/>
+                <a:latin typeface="avenir next"/>
+              </a:rPr>
+              <a:t>semantic segmentation</a:t>
+            </a:r>
+            <a:r>
+              <a:rPr lang="ko-KR" altLang="en-US" b="0" i="0" dirty="0">
+                <a:solidFill>
+                  <a:srgbClr val="000000"/>
+                </a:solidFill>
+                <a:effectLst/>
+                <a:latin typeface="avenir next"/>
+              </a:rPr>
+              <a:t>를  사용하여 이미지 생성 비교</a:t>
+            </a:r>
+            <a:endParaRPr lang="en-US" altLang="ko-KR" b="0" i="0" dirty="0">
+              <a:solidFill>
+                <a:srgbClr val="000000"/>
+              </a:solidFill>
+              <a:effectLst/>
+              <a:latin typeface="avenir next"/>
+            </a:endParaRPr>
+          </a:p>
+          <a:p>
+            <a:pPr marL="0" indent="0">
+              <a:buNone/>
+            </a:pPr>
+            <a:r>
+              <a:rPr lang="en-US" altLang="ko-KR" dirty="0"/>
+              <a:t>Stable Diffusion</a:t>
+            </a:r>
+            <a:r>
+              <a:rPr lang="ko-KR" altLang="en-US" dirty="0"/>
+              <a:t>은 </a:t>
+            </a:r>
+            <a:r>
+              <a:rPr lang="en-US" altLang="ko-KR" dirty="0"/>
+              <a:t>segmentation conditions </a:t>
+            </a:r>
+            <a:r>
+              <a:rPr lang="ko-KR" altLang="en-US" dirty="0"/>
+              <a:t>없이 생성해서 얻은 결과값</a:t>
+            </a:r>
+            <a:endParaRPr lang="en-US" altLang="ko-KR" dirty="0"/>
+          </a:p>
+        </p:txBody>
+      </p:sp>
+      <p:pic>
+        <p:nvPicPr>
+          <p:cNvPr id="5" name="그림 4">
+            <a:extLst>
+              <a:ext uri="{FF2B5EF4-FFF2-40B4-BE49-F238E27FC236}">
+                <a16:creationId xmlns:a16="http://schemas.microsoft.com/office/drawing/2014/main" id="{E4A6E83E-FDA4-4133-877F-F4D8280844DE}"/>
+              </a:ext>
+            </a:extLst>
+          </p:cNvPr>
+          <p:cNvPicPr>
+            <a:picLocks noChangeAspect="1"/>
+          </p:cNvPicPr>
+          <p:nvPr/>
+        </p:nvPicPr>
+        <p:blipFill>
+          <a:blip r:embed="rId2"/>
+          <a:stretch>
+            <a:fillRect/>
+          </a:stretch>
+        </p:blipFill>
+        <p:spPr>
+          <a:xfrm>
+            <a:off x="4009734" y="2148752"/>
+            <a:ext cx="4172532" cy="1733792"/>
+          </a:xfrm>
+          <a:prstGeom prst="rect">
+            <a:avLst/>
+          </a:prstGeom>
+        </p:spPr>
+      </p:pic>
+    </p:spTree>
+    <p:extLst>
+      <p:ext uri="{BB962C8B-B14F-4D97-AF65-F5344CB8AC3E}">
+        <p14:creationId xmlns:p14="http://schemas.microsoft.com/office/powerpoint/2010/main" val="333493171"/>
       </p:ext>
     </p:extLst>
   </p:cSld>

--- a/Adding Conditional Control to Text-to-Image Diffusion Models/Adding Conditional Control to Text-to-Image Diffusion Models.pptx
+++ b/Adding Conditional Control to Text-to-Image Diffusion Models/Adding Conditional Control to Text-to-Image Diffusion Models.pptx
@@ -5,7 +5,7 @@
     <p:sldMasterId id="2147483648" r:id="rId1"/>
   </p:sldMasterIdLst>
   <p:notesMasterIdLst>
-    <p:notesMasterId r:id="rId13"/>
+    <p:notesMasterId r:id="rId16"/>
   </p:notesMasterIdLst>
   <p:sldIdLst>
     <p:sldId id="256" r:id="rId2"/>
@@ -17,8 +17,11 @@
     <p:sldId id="276" r:id="rId8"/>
     <p:sldId id="279" r:id="rId9"/>
     <p:sldId id="277" r:id="rId10"/>
-    <p:sldId id="278" r:id="rId11"/>
-    <p:sldId id="270" r:id="rId12"/>
+    <p:sldId id="280" r:id="rId11"/>
+    <p:sldId id="281" r:id="rId12"/>
+    <p:sldId id="282" r:id="rId13"/>
+    <p:sldId id="278" r:id="rId14"/>
+    <p:sldId id="270" r:id="rId15"/>
   </p:sldIdLst>
   <p:sldSz cx="12192000" cy="6858000"/>
   <p:notesSz cx="6858000" cy="9144000"/>
@@ -219,7 +222,7 @@
           <a:p>
             <a:fld id="{4890B703-0836-499D-9F8D-D18F794AD7C3}" type="datetimeFigureOut">
               <a:rPr lang="ko-KR" altLang="en-US" smtClean="0"/>
-              <a:t>2023-09-27</a:t>
+              <a:t>2023-10-05</a:t>
             </a:fld>
             <a:endParaRPr lang="ko-KR" altLang="en-US"/>
           </a:p>
@@ -717,7 +720,7 @@
           <a:p>
             <a:fld id="{C98425AB-0F5E-4B1B-A3F7-CE19EA6D8895}" type="datetimeFigureOut">
               <a:rPr lang="ko-KR" altLang="en-US" smtClean="0"/>
-              <a:t>2023-09-27</a:t>
+              <a:t>2023-10-05</a:t>
             </a:fld>
             <a:endParaRPr lang="ko-KR" altLang="en-US"/>
           </a:p>
@@ -915,7 +918,7 @@
           <a:p>
             <a:fld id="{C98425AB-0F5E-4B1B-A3F7-CE19EA6D8895}" type="datetimeFigureOut">
               <a:rPr lang="ko-KR" altLang="en-US" smtClean="0"/>
-              <a:t>2023-09-27</a:t>
+              <a:t>2023-10-05</a:t>
             </a:fld>
             <a:endParaRPr lang="ko-KR" altLang="en-US"/>
           </a:p>
@@ -1123,7 +1126,7 @@
           <a:p>
             <a:fld id="{C98425AB-0F5E-4B1B-A3F7-CE19EA6D8895}" type="datetimeFigureOut">
               <a:rPr lang="ko-KR" altLang="en-US" smtClean="0"/>
-              <a:t>2023-09-27</a:t>
+              <a:t>2023-10-05</a:t>
             </a:fld>
             <a:endParaRPr lang="ko-KR" altLang="en-US"/>
           </a:p>
@@ -1321,7 +1324,7 @@
           <a:p>
             <a:fld id="{C98425AB-0F5E-4B1B-A3F7-CE19EA6D8895}" type="datetimeFigureOut">
               <a:rPr lang="ko-KR" altLang="en-US" smtClean="0"/>
-              <a:t>2023-09-27</a:t>
+              <a:t>2023-10-05</a:t>
             </a:fld>
             <a:endParaRPr lang="ko-KR" altLang="en-US"/>
           </a:p>
@@ -1596,7 +1599,7 @@
           <a:p>
             <a:fld id="{C98425AB-0F5E-4B1B-A3F7-CE19EA6D8895}" type="datetimeFigureOut">
               <a:rPr lang="ko-KR" altLang="en-US" smtClean="0"/>
-              <a:t>2023-09-27</a:t>
+              <a:t>2023-10-05</a:t>
             </a:fld>
             <a:endParaRPr lang="ko-KR" altLang="en-US"/>
           </a:p>
@@ -1861,7 +1864,7 @@
           <a:p>
             <a:fld id="{C98425AB-0F5E-4B1B-A3F7-CE19EA6D8895}" type="datetimeFigureOut">
               <a:rPr lang="ko-KR" altLang="en-US" smtClean="0"/>
-              <a:t>2023-09-27</a:t>
+              <a:t>2023-10-05</a:t>
             </a:fld>
             <a:endParaRPr lang="ko-KR" altLang="en-US"/>
           </a:p>
@@ -2273,7 +2276,7 @@
           <a:p>
             <a:fld id="{C98425AB-0F5E-4B1B-A3F7-CE19EA6D8895}" type="datetimeFigureOut">
               <a:rPr lang="ko-KR" altLang="en-US" smtClean="0"/>
-              <a:t>2023-09-27</a:t>
+              <a:t>2023-10-05</a:t>
             </a:fld>
             <a:endParaRPr lang="ko-KR" altLang="en-US"/>
           </a:p>
@@ -2414,7 +2417,7 @@
           <a:p>
             <a:fld id="{C98425AB-0F5E-4B1B-A3F7-CE19EA6D8895}" type="datetimeFigureOut">
               <a:rPr lang="ko-KR" altLang="en-US" smtClean="0"/>
-              <a:t>2023-09-27</a:t>
+              <a:t>2023-10-05</a:t>
             </a:fld>
             <a:endParaRPr lang="ko-KR" altLang="en-US"/>
           </a:p>
@@ -2527,7 +2530,7 @@
           <a:p>
             <a:fld id="{C98425AB-0F5E-4B1B-A3F7-CE19EA6D8895}" type="datetimeFigureOut">
               <a:rPr lang="ko-KR" altLang="en-US" smtClean="0"/>
-              <a:t>2023-09-27</a:t>
+              <a:t>2023-10-05</a:t>
             </a:fld>
             <a:endParaRPr lang="ko-KR" altLang="en-US"/>
           </a:p>
@@ -2838,7 +2841,7 @@
           <a:p>
             <a:fld id="{C98425AB-0F5E-4B1B-A3F7-CE19EA6D8895}" type="datetimeFigureOut">
               <a:rPr lang="ko-KR" altLang="en-US" smtClean="0"/>
-              <a:t>2023-09-27</a:t>
+              <a:t>2023-10-05</a:t>
             </a:fld>
             <a:endParaRPr lang="ko-KR" altLang="en-US"/>
           </a:p>
@@ -3126,7 +3129,7 @@
           <a:p>
             <a:fld id="{C98425AB-0F5E-4B1B-A3F7-CE19EA6D8895}" type="datetimeFigureOut">
               <a:rPr lang="ko-KR" altLang="en-US" smtClean="0"/>
-              <a:t>2023-09-27</a:t>
+              <a:t>2023-10-05</a:t>
             </a:fld>
             <a:endParaRPr lang="ko-KR" altLang="en-US"/>
           </a:p>
@@ -3367,7 +3370,7 @@
           <a:p>
             <a:fld id="{C98425AB-0F5E-4B1B-A3F7-CE19EA6D8895}" type="datetimeFigureOut">
               <a:rPr lang="ko-KR" altLang="en-US" smtClean="0"/>
-              <a:t>2023-09-27</a:t>
+              <a:t>2023-10-05</a:t>
             </a:fld>
             <a:endParaRPr lang="ko-KR" altLang="en-US"/>
           </a:p>
@@ -3914,6 +3917,639 @@
           </a:p>
         </p:txBody>
       </p:sp>
+      <p:sp>
+        <p:nvSpPr>
+          <p:cNvPr id="7" name="내용 개체 틀 3">
+            <a:extLst>
+              <a:ext uri="{FF2B5EF4-FFF2-40B4-BE49-F238E27FC236}">
+                <a16:creationId xmlns:a16="http://schemas.microsoft.com/office/drawing/2014/main" id="{FAE9A106-6325-4963-AECD-3F7D178E7C79}"/>
+              </a:ext>
+            </a:extLst>
+          </p:cNvPr>
+          <p:cNvSpPr>
+            <a:spLocks noGrp="1"/>
+          </p:cNvSpPr>
+          <p:nvPr>
+            <p:ph idx="1"/>
+          </p:nvPr>
+        </p:nvSpPr>
+        <p:spPr>
+          <a:xfrm>
+            <a:off x="838200" y="1825625"/>
+            <a:ext cx="3938337" cy="4351338"/>
+          </a:xfrm>
+        </p:spPr>
+        <p:txBody>
+          <a:bodyPr/>
+          <a:lstStyle/>
+          <a:p>
+            <a:r>
+              <a:rPr lang="en-US" altLang="ko-KR" dirty="0"/>
+              <a:t>VQGAN</a:t>
+            </a:r>
+          </a:p>
+          <a:p>
+            <a:pPr>
+              <a:buFontTx/>
+              <a:buChar char="-"/>
+            </a:pPr>
+            <a:r>
+              <a:rPr lang="en-US" altLang="ko-KR" dirty="0"/>
+              <a:t>GAN </a:t>
+            </a:r>
+            <a:r>
+              <a:rPr lang="ko-KR" altLang="en-US" dirty="0"/>
+              <a:t>구조 내에 벡터 양자화</a:t>
+            </a:r>
+            <a:r>
+              <a:rPr lang="en-US" altLang="ko-KR" dirty="0"/>
+              <a:t>(Vector Quantization, VQ) </a:t>
+            </a:r>
+            <a:r>
+              <a:rPr lang="ko-KR" altLang="en-US" dirty="0"/>
+              <a:t>메커니즘을 적용시킨 모델</a:t>
+            </a:r>
+            <a:endParaRPr lang="en-US" altLang="ko-KR" dirty="0"/>
+          </a:p>
+          <a:p>
+            <a:pPr>
+              <a:buFontTx/>
+              <a:buChar char="-"/>
+            </a:pPr>
+            <a:endParaRPr lang="ko-KR" altLang="en-US" dirty="0"/>
+          </a:p>
+        </p:txBody>
+      </p:sp>
+      <p:pic>
+        <p:nvPicPr>
+          <p:cNvPr id="1030" name="Picture 6">
+            <a:extLst>
+              <a:ext uri="{FF2B5EF4-FFF2-40B4-BE49-F238E27FC236}">
+                <a16:creationId xmlns:a16="http://schemas.microsoft.com/office/drawing/2014/main" id="{6A3BF47B-7F2F-47CB-A3B9-405D00FC7F34}"/>
+              </a:ext>
+            </a:extLst>
+          </p:cNvPr>
+          <p:cNvPicPr>
+            <a:picLocks noChangeAspect="1" noChangeArrowheads="1"/>
+          </p:cNvPicPr>
+          <p:nvPr/>
+        </p:nvPicPr>
+        <p:blipFill>
+          <a:blip r:embed="rId2">
+            <a:extLst>
+              <a:ext uri="{28A0092B-C50C-407E-A947-70E740481C1C}">
+                <a14:useLocalDpi xmlns:a14="http://schemas.microsoft.com/office/drawing/2010/main" val="0"/>
+              </a:ext>
+            </a:extLst>
+          </a:blip>
+          <a:srcRect/>
+          <a:stretch>
+            <a:fillRect/>
+          </a:stretch>
+        </p:blipFill>
+        <p:spPr bwMode="auto">
+          <a:xfrm>
+            <a:off x="5005136" y="653029"/>
+            <a:ext cx="7058277" cy="2788386"/>
+          </a:xfrm>
+          <a:prstGeom prst="rect">
+            <a:avLst/>
+          </a:prstGeom>
+          <a:noFill/>
+          <a:extLst>
+            <a:ext uri="{909E8E84-426E-40DD-AFC4-6F175D3DCCD1}">
+              <a14:hiddenFill xmlns:a14="http://schemas.microsoft.com/office/drawing/2010/main">
+                <a:solidFill>
+                  <a:srgbClr val="FFFFFF"/>
+                </a:solidFill>
+              </a14:hiddenFill>
+            </a:ext>
+          </a:extLst>
+        </p:spPr>
+      </p:pic>
+      <p:pic>
+        <p:nvPicPr>
+          <p:cNvPr id="19" name="그림 18">
+            <a:extLst>
+              <a:ext uri="{FF2B5EF4-FFF2-40B4-BE49-F238E27FC236}">
+                <a16:creationId xmlns:a16="http://schemas.microsoft.com/office/drawing/2014/main" id="{A554CE93-1D2F-4AB1-A1D8-ED1F0590AB13}"/>
+              </a:ext>
+            </a:extLst>
+          </p:cNvPr>
+          <p:cNvPicPr>
+            <a:picLocks noChangeAspect="1"/>
+          </p:cNvPicPr>
+          <p:nvPr/>
+        </p:nvPicPr>
+        <p:blipFill>
+          <a:blip r:embed="rId3"/>
+          <a:stretch>
+            <a:fillRect/>
+          </a:stretch>
+        </p:blipFill>
+        <p:spPr>
+          <a:xfrm>
+            <a:off x="5295773" y="3429000"/>
+            <a:ext cx="6477001" cy="2144945"/>
+          </a:xfrm>
+          <a:prstGeom prst="rect">
+            <a:avLst/>
+          </a:prstGeom>
+        </p:spPr>
+      </p:pic>
+      <p:pic>
+        <p:nvPicPr>
+          <p:cNvPr id="21" name="그림 20">
+            <a:extLst>
+              <a:ext uri="{FF2B5EF4-FFF2-40B4-BE49-F238E27FC236}">
+                <a16:creationId xmlns:a16="http://schemas.microsoft.com/office/drawing/2014/main" id="{DD1ECDE7-7079-4289-86AA-9C5EE074182A}"/>
+              </a:ext>
+            </a:extLst>
+          </p:cNvPr>
+          <p:cNvPicPr>
+            <a:picLocks noChangeAspect="1"/>
+          </p:cNvPicPr>
+          <p:nvPr/>
+        </p:nvPicPr>
+        <p:blipFill>
+          <a:blip r:embed="rId4"/>
+          <a:stretch>
+            <a:fillRect/>
+          </a:stretch>
+        </p:blipFill>
+        <p:spPr>
+          <a:xfrm>
+            <a:off x="5295773" y="5564355"/>
+            <a:ext cx="6335644" cy="950347"/>
+          </a:xfrm>
+          <a:prstGeom prst="rect">
+            <a:avLst/>
+          </a:prstGeom>
+        </p:spPr>
+      </p:pic>
+      <p:pic>
+        <p:nvPicPr>
+          <p:cNvPr id="1032" name="Picture 8">
+            <a:extLst>
+              <a:ext uri="{FF2B5EF4-FFF2-40B4-BE49-F238E27FC236}">
+                <a16:creationId xmlns:a16="http://schemas.microsoft.com/office/drawing/2014/main" id="{B69C59C4-DBF0-4504-BC23-205E48AF2976}"/>
+              </a:ext>
+            </a:extLst>
+          </p:cNvPr>
+          <p:cNvPicPr>
+            <a:picLocks noChangeAspect="1" noChangeArrowheads="1"/>
+          </p:cNvPicPr>
+          <p:nvPr/>
+        </p:nvPicPr>
+        <p:blipFill>
+          <a:blip r:embed="rId5">
+            <a:extLst>
+              <a:ext uri="{28A0092B-C50C-407E-A947-70E740481C1C}">
+                <a14:useLocalDpi xmlns:a14="http://schemas.microsoft.com/office/drawing/2010/main" val="0"/>
+              </a:ext>
+            </a:extLst>
+          </a:blip>
+          <a:srcRect/>
+          <a:stretch>
+            <a:fillRect/>
+          </a:stretch>
+        </p:blipFill>
+        <p:spPr bwMode="auto">
+          <a:xfrm>
+            <a:off x="3490529" y="4635500"/>
+            <a:ext cx="1431328" cy="1857375"/>
+          </a:xfrm>
+          <a:prstGeom prst="rect">
+            <a:avLst/>
+          </a:prstGeom>
+          <a:noFill/>
+          <a:extLst>
+            <a:ext uri="{909E8E84-426E-40DD-AFC4-6F175D3DCCD1}">
+              <a14:hiddenFill xmlns:a14="http://schemas.microsoft.com/office/drawing/2010/main">
+                <a:solidFill>
+                  <a:srgbClr val="FFFFFF"/>
+                </a:solidFill>
+              </a14:hiddenFill>
+            </a:ext>
+          </a:extLst>
+        </p:spPr>
+      </p:pic>
+    </p:spTree>
+    <p:extLst>
+      <p:ext uri="{BB962C8B-B14F-4D97-AF65-F5344CB8AC3E}">
+        <p14:creationId xmlns:p14="http://schemas.microsoft.com/office/powerpoint/2010/main" val="960264212"/>
+      </p:ext>
+    </p:extLst>
+  </p:cSld>
+  <p:clrMapOvr>
+    <a:masterClrMapping/>
+  </p:clrMapOvr>
+</p:sld>
+</file>
+
+<file path=ppt/slides/slide11.xml><?xml version="1.0" encoding="utf-8"?>
+<p:sld xmlns:a="http://schemas.openxmlformats.org/drawingml/2006/main" xmlns:r="http://schemas.openxmlformats.org/officeDocument/2006/relationships" xmlns:p="http://schemas.openxmlformats.org/presentationml/2006/main">
+  <p:cSld>
+    <p:spTree>
+      <p:nvGrpSpPr>
+        <p:cNvPr id="1" name=""/>
+        <p:cNvGrpSpPr/>
+        <p:nvPr/>
+      </p:nvGrpSpPr>
+      <p:grpSpPr>
+        <a:xfrm>
+          <a:off x="0" y="0"/>
+          <a:ext cx="0" cy="0"/>
+          <a:chOff x="0" y="0"/>
+          <a:chExt cx="0" cy="0"/>
+        </a:xfrm>
+      </p:grpSpPr>
+      <p:sp>
+        <p:nvSpPr>
+          <p:cNvPr id="2" name="제목 1">
+            <a:extLst>
+              <a:ext uri="{FF2B5EF4-FFF2-40B4-BE49-F238E27FC236}">
+                <a16:creationId xmlns:a16="http://schemas.microsoft.com/office/drawing/2014/main" id="{44FE026F-B914-4142-BADB-732B8F33197D}"/>
+              </a:ext>
+            </a:extLst>
+          </p:cNvPr>
+          <p:cNvSpPr>
+            <a:spLocks noGrp="1"/>
+          </p:cNvSpPr>
+          <p:nvPr>
+            <p:ph type="title"/>
+          </p:nvPr>
+        </p:nvSpPr>
+        <p:spPr/>
+        <p:txBody>
+          <a:bodyPr/>
+          <a:lstStyle/>
+          <a:p>
+            <a:r>
+              <a:rPr lang="en-US" altLang="ko-KR" dirty="0"/>
+              <a:t>3. </a:t>
+            </a:r>
+            <a:r>
+              <a:rPr lang="ko-KR" altLang="en-US" dirty="0"/>
+              <a:t>평가</a:t>
+            </a:r>
+          </a:p>
+        </p:txBody>
+      </p:sp>
+      <p:sp>
+        <p:nvSpPr>
+          <p:cNvPr id="7" name="내용 개체 틀 3">
+            <a:extLst>
+              <a:ext uri="{FF2B5EF4-FFF2-40B4-BE49-F238E27FC236}">
+                <a16:creationId xmlns:a16="http://schemas.microsoft.com/office/drawing/2014/main" id="{FAE9A106-6325-4963-AECD-3F7D178E7C79}"/>
+              </a:ext>
+            </a:extLst>
+          </p:cNvPr>
+          <p:cNvSpPr>
+            <a:spLocks noGrp="1"/>
+          </p:cNvSpPr>
+          <p:nvPr>
+            <p:ph idx="1"/>
+          </p:nvPr>
+        </p:nvSpPr>
+        <p:spPr>
+          <a:xfrm>
+            <a:off x="838200" y="1825625"/>
+            <a:ext cx="3938337" cy="4351338"/>
+          </a:xfrm>
+        </p:spPr>
+        <p:txBody>
+          <a:bodyPr/>
+          <a:lstStyle/>
+          <a:p>
+            <a:r>
+              <a:rPr lang="en-US" altLang="ko-KR" dirty="0"/>
+              <a:t>VQGAN</a:t>
+            </a:r>
+          </a:p>
+          <a:p>
+            <a:pPr>
+              <a:buFontTx/>
+              <a:buChar char="-"/>
+            </a:pPr>
+            <a:endParaRPr lang="ko-KR" altLang="en-US" dirty="0"/>
+          </a:p>
+        </p:txBody>
+      </p:sp>
+      <p:pic>
+        <p:nvPicPr>
+          <p:cNvPr id="2050" name="Picture 2">
+            <a:extLst>
+              <a:ext uri="{FF2B5EF4-FFF2-40B4-BE49-F238E27FC236}">
+                <a16:creationId xmlns:a16="http://schemas.microsoft.com/office/drawing/2014/main" id="{E8226F76-A6A3-4280-AFBE-6ADF77D6C895}"/>
+              </a:ext>
+            </a:extLst>
+          </p:cNvPr>
+          <p:cNvPicPr>
+            <a:picLocks noChangeAspect="1" noChangeArrowheads="1"/>
+          </p:cNvPicPr>
+          <p:nvPr/>
+        </p:nvPicPr>
+        <p:blipFill>
+          <a:blip r:embed="rId2">
+            <a:extLst>
+              <a:ext uri="{28A0092B-C50C-407E-A947-70E740481C1C}">
+                <a14:useLocalDpi xmlns:a14="http://schemas.microsoft.com/office/drawing/2010/main" val="0"/>
+              </a:ext>
+            </a:extLst>
+          </a:blip>
+          <a:srcRect/>
+          <a:stretch>
+            <a:fillRect/>
+          </a:stretch>
+        </p:blipFill>
+        <p:spPr bwMode="auto">
+          <a:xfrm>
+            <a:off x="4919662" y="2469564"/>
+            <a:ext cx="7058025" cy="2337971"/>
+          </a:xfrm>
+          <a:prstGeom prst="rect">
+            <a:avLst/>
+          </a:prstGeom>
+          <a:noFill/>
+          <a:extLst>
+            <a:ext uri="{909E8E84-426E-40DD-AFC4-6F175D3DCCD1}">
+              <a14:hiddenFill xmlns:a14="http://schemas.microsoft.com/office/drawing/2010/main">
+                <a:solidFill>
+                  <a:srgbClr val="FFFFFF"/>
+                </a:solidFill>
+              </a14:hiddenFill>
+            </a:ext>
+          </a:extLst>
+        </p:spPr>
+      </p:pic>
+      <p:pic>
+        <p:nvPicPr>
+          <p:cNvPr id="2052" name="Picture 4">
+            <a:extLst>
+              <a:ext uri="{FF2B5EF4-FFF2-40B4-BE49-F238E27FC236}">
+                <a16:creationId xmlns:a16="http://schemas.microsoft.com/office/drawing/2014/main" id="{BD5DA8C4-88C0-4FCE-AB39-04E0D43F4E54}"/>
+              </a:ext>
+            </a:extLst>
+          </p:cNvPr>
+          <p:cNvPicPr>
+            <a:picLocks noChangeAspect="1" noChangeArrowheads="1"/>
+          </p:cNvPicPr>
+          <p:nvPr/>
+        </p:nvPicPr>
+        <p:blipFill>
+          <a:blip r:embed="rId3">
+            <a:extLst>
+              <a:ext uri="{28A0092B-C50C-407E-A947-70E740481C1C}">
+                <a14:useLocalDpi xmlns:a14="http://schemas.microsoft.com/office/drawing/2010/main" val="0"/>
+              </a:ext>
+            </a:extLst>
+          </a:blip>
+          <a:srcRect/>
+          <a:stretch>
+            <a:fillRect/>
+          </a:stretch>
+        </p:blipFill>
+        <p:spPr bwMode="auto">
+          <a:xfrm>
+            <a:off x="4919662" y="5248275"/>
+            <a:ext cx="7058025" cy="1293053"/>
+          </a:xfrm>
+          <a:prstGeom prst="rect">
+            <a:avLst/>
+          </a:prstGeom>
+          <a:noFill/>
+          <a:extLst>
+            <a:ext uri="{909E8E84-426E-40DD-AFC4-6F175D3DCCD1}">
+              <a14:hiddenFill xmlns:a14="http://schemas.microsoft.com/office/drawing/2010/main">
+                <a:solidFill>
+                  <a:srgbClr val="FFFFFF"/>
+                </a:solidFill>
+              </a14:hiddenFill>
+            </a:ext>
+          </a:extLst>
+        </p:spPr>
+      </p:pic>
+      <p:pic>
+        <p:nvPicPr>
+          <p:cNvPr id="2054" name="Picture 6">
+            <a:extLst>
+              <a:ext uri="{FF2B5EF4-FFF2-40B4-BE49-F238E27FC236}">
+                <a16:creationId xmlns:a16="http://schemas.microsoft.com/office/drawing/2014/main" id="{69A6FC54-3A41-4AC5-BF6B-D5F38CC42DBB}"/>
+              </a:ext>
+            </a:extLst>
+          </p:cNvPr>
+          <p:cNvPicPr>
+            <a:picLocks noChangeAspect="1" noChangeArrowheads="1"/>
+          </p:cNvPicPr>
+          <p:nvPr/>
+        </p:nvPicPr>
+        <p:blipFill>
+          <a:blip r:embed="rId4">
+            <a:extLst>
+              <a:ext uri="{28A0092B-C50C-407E-A947-70E740481C1C}">
+                <a14:useLocalDpi xmlns:a14="http://schemas.microsoft.com/office/drawing/2010/main" val="0"/>
+              </a:ext>
+            </a:extLst>
+          </a:blip>
+          <a:srcRect/>
+          <a:stretch>
+            <a:fillRect/>
+          </a:stretch>
+        </p:blipFill>
+        <p:spPr bwMode="auto">
+          <a:xfrm>
+            <a:off x="561725" y="2579603"/>
+            <a:ext cx="3109289" cy="2472323"/>
+          </a:xfrm>
+          <a:prstGeom prst="rect">
+            <a:avLst/>
+          </a:prstGeom>
+          <a:noFill/>
+          <a:extLst>
+            <a:ext uri="{909E8E84-426E-40DD-AFC4-6F175D3DCCD1}">
+              <a14:hiddenFill xmlns:a14="http://schemas.microsoft.com/office/drawing/2010/main">
+                <a:solidFill>
+                  <a:srgbClr val="FFFFFF"/>
+                </a:solidFill>
+              </a14:hiddenFill>
+            </a:ext>
+          </a:extLst>
+        </p:spPr>
+      </p:pic>
+    </p:spTree>
+    <p:extLst>
+      <p:ext uri="{BB962C8B-B14F-4D97-AF65-F5344CB8AC3E}">
+        <p14:creationId xmlns:p14="http://schemas.microsoft.com/office/powerpoint/2010/main" val="3765964462"/>
+      </p:ext>
+    </p:extLst>
+  </p:cSld>
+  <p:clrMapOvr>
+    <a:masterClrMapping/>
+  </p:clrMapOvr>
+</p:sld>
+</file>
+
+<file path=ppt/slides/slide12.xml><?xml version="1.0" encoding="utf-8"?>
+<p:sld xmlns:a="http://schemas.openxmlformats.org/drawingml/2006/main" xmlns:r="http://schemas.openxmlformats.org/officeDocument/2006/relationships" xmlns:p="http://schemas.openxmlformats.org/presentationml/2006/main">
+  <p:cSld>
+    <p:spTree>
+      <p:nvGrpSpPr>
+        <p:cNvPr id="1" name=""/>
+        <p:cNvGrpSpPr/>
+        <p:nvPr/>
+      </p:nvGrpSpPr>
+      <p:grpSpPr>
+        <a:xfrm>
+          <a:off x="0" y="0"/>
+          <a:ext cx="0" cy="0"/>
+          <a:chOff x="0" y="0"/>
+          <a:chExt cx="0" cy="0"/>
+        </a:xfrm>
+      </p:grpSpPr>
+      <p:sp>
+        <p:nvSpPr>
+          <p:cNvPr id="2" name="제목 1">
+            <a:extLst>
+              <a:ext uri="{FF2B5EF4-FFF2-40B4-BE49-F238E27FC236}">
+                <a16:creationId xmlns:a16="http://schemas.microsoft.com/office/drawing/2014/main" id="{44FE026F-B914-4142-BADB-732B8F33197D}"/>
+              </a:ext>
+            </a:extLst>
+          </p:cNvPr>
+          <p:cNvSpPr>
+            <a:spLocks noGrp="1"/>
+          </p:cNvSpPr>
+          <p:nvPr>
+            <p:ph type="title"/>
+          </p:nvPr>
+        </p:nvSpPr>
+        <p:spPr/>
+        <p:txBody>
+          <a:bodyPr/>
+          <a:lstStyle/>
+          <a:p>
+            <a:r>
+              <a:rPr lang="en-US" altLang="ko-KR" dirty="0"/>
+              <a:t>3. </a:t>
+            </a:r>
+            <a:r>
+              <a:rPr lang="ko-KR" altLang="en-US" dirty="0"/>
+              <a:t>평가</a:t>
+            </a:r>
+          </a:p>
+        </p:txBody>
+      </p:sp>
+      <p:sp>
+        <p:nvSpPr>
+          <p:cNvPr id="7" name="내용 개체 틀 3">
+            <a:extLst>
+              <a:ext uri="{FF2B5EF4-FFF2-40B4-BE49-F238E27FC236}">
+                <a16:creationId xmlns:a16="http://schemas.microsoft.com/office/drawing/2014/main" id="{FAE9A106-6325-4963-AECD-3F7D178E7C79}"/>
+              </a:ext>
+            </a:extLst>
+          </p:cNvPr>
+          <p:cNvSpPr>
+            <a:spLocks noGrp="1"/>
+          </p:cNvSpPr>
+          <p:nvPr>
+            <p:ph idx="1"/>
+          </p:nvPr>
+        </p:nvSpPr>
+        <p:spPr>
+          <a:xfrm>
+            <a:off x="838200" y="1825625"/>
+            <a:ext cx="3938337" cy="4351338"/>
+          </a:xfrm>
+        </p:spPr>
+        <p:txBody>
+          <a:bodyPr/>
+          <a:lstStyle/>
+          <a:p>
+            <a:r>
+              <a:rPr lang="en-US" altLang="ko-KR" dirty="0"/>
+              <a:t>PIPT</a:t>
+            </a:r>
+          </a:p>
+          <a:p>
+            <a:pPr marL="0" indent="0">
+              <a:buNone/>
+            </a:pPr>
+            <a:r>
+              <a:rPr lang="en-US" altLang="ko-KR" dirty="0"/>
+              <a:t>- </a:t>
+            </a:r>
+          </a:p>
+          <a:p>
+            <a:pPr>
+              <a:buFontTx/>
+              <a:buChar char="-"/>
+            </a:pPr>
+            <a:endParaRPr lang="ko-KR" altLang="en-US" dirty="0"/>
+          </a:p>
+        </p:txBody>
+      </p:sp>
+    </p:spTree>
+    <p:extLst>
+      <p:ext uri="{BB962C8B-B14F-4D97-AF65-F5344CB8AC3E}">
+        <p14:creationId xmlns:p14="http://schemas.microsoft.com/office/powerpoint/2010/main" val="733821958"/>
+      </p:ext>
+    </p:extLst>
+  </p:cSld>
+  <p:clrMapOvr>
+    <a:masterClrMapping/>
+  </p:clrMapOvr>
+</p:sld>
+</file>
+
+<file path=ppt/slides/slide13.xml><?xml version="1.0" encoding="utf-8"?>
+<p:sld xmlns:a="http://schemas.openxmlformats.org/drawingml/2006/main" xmlns:r="http://schemas.openxmlformats.org/officeDocument/2006/relationships" xmlns:p="http://schemas.openxmlformats.org/presentationml/2006/main">
+  <p:cSld>
+    <p:spTree>
+      <p:nvGrpSpPr>
+        <p:cNvPr id="1" name=""/>
+        <p:cNvGrpSpPr/>
+        <p:nvPr/>
+      </p:nvGrpSpPr>
+      <p:grpSpPr>
+        <a:xfrm>
+          <a:off x="0" y="0"/>
+          <a:ext cx="0" cy="0"/>
+          <a:chOff x="0" y="0"/>
+          <a:chExt cx="0" cy="0"/>
+        </a:xfrm>
+      </p:grpSpPr>
+      <p:sp>
+        <p:nvSpPr>
+          <p:cNvPr id="2" name="제목 1">
+            <a:extLst>
+              <a:ext uri="{FF2B5EF4-FFF2-40B4-BE49-F238E27FC236}">
+                <a16:creationId xmlns:a16="http://schemas.microsoft.com/office/drawing/2014/main" id="{44FE026F-B914-4142-BADB-732B8F33197D}"/>
+              </a:ext>
+            </a:extLst>
+          </p:cNvPr>
+          <p:cNvSpPr>
+            <a:spLocks noGrp="1"/>
+          </p:cNvSpPr>
+          <p:nvPr>
+            <p:ph type="title"/>
+          </p:nvPr>
+        </p:nvSpPr>
+        <p:spPr/>
+        <p:txBody>
+          <a:bodyPr/>
+          <a:lstStyle/>
+          <a:p>
+            <a:r>
+              <a:rPr lang="en-US" altLang="ko-KR" dirty="0"/>
+              <a:t>3. </a:t>
+            </a:r>
+            <a:r>
+              <a:rPr lang="ko-KR" altLang="en-US" dirty="0"/>
+              <a:t>평가</a:t>
+            </a:r>
+          </a:p>
+        </p:txBody>
+      </p:sp>
       <p:pic>
         <p:nvPicPr>
           <p:cNvPr id="5" name="그림 4">
@@ -4232,7 +4868,7 @@
 </p:sld>
 </file>
 
-<file path=ppt/slides/slide11.xml><?xml version="1.0" encoding="utf-8"?>
+<file path=ppt/slides/slide14.xml><?xml version="1.0" encoding="utf-8"?>
 <p:sld xmlns:a="http://schemas.openxmlformats.org/drawingml/2006/main" xmlns:r="http://schemas.openxmlformats.org/officeDocument/2006/relationships" xmlns:p="http://schemas.openxmlformats.org/presentationml/2006/main">
   <p:cSld>
     <p:spTree>
